--- a/31_introJS/intro_JS.pptx
+++ b/31_introJS/intro_JS.pptx
@@ -30,14 +30,14 @@
   <p:notesSz cx="6858000" cy="9144000"/>
   <p:embeddedFontLst>
     <p:embeddedFont>
-      <p:font typeface="Open Sans" panose="020B0606030504020204" pitchFamily="34" charset="0"/>
+      <p:font typeface="Calibri" panose="020F0502020204030204" pitchFamily="34" charset="0"/>
       <p:regular r:id="rId20"/>
       <p:bold r:id="rId21"/>
       <p:italic r:id="rId22"/>
       <p:boldItalic r:id="rId23"/>
     </p:embeddedFont>
     <p:embeddedFont>
-      <p:font typeface="Calibri" panose="020F0502020204030204" pitchFamily="34" charset="0"/>
+      <p:font typeface="Open Sans" panose="020B0606030504020204" pitchFamily="34" charset="0"/>
       <p:regular r:id="rId24"/>
       <p:bold r:id="rId25"/>
       <p:italic r:id="rId26"/>
@@ -7509,13 +7509,6 @@
   <p:clrMapOvr>
     <a:masterClrMapping/>
   </p:clrMapOvr>
-  <p:timing>
-    <p:tnLst>
-      <p:par>
-        <p:cTn id="1" dur="indefinite" restart="never" nodeType="tmRoot"/>
-      </p:par>
-    </p:tnLst>
-  </p:timing>
 </p:sld>
 </file>
 
@@ -10124,7 +10117,7 @@
               </a:spcAft>
               <a:buNone/>
             </a:pPr>
-            <a:endParaRPr sz="1400">
+            <a:endParaRPr sz="1400" dirty="0">
               <a:solidFill>
                 <a:srgbClr val="000000"/>
               </a:solidFill>
@@ -10148,7 +10141,7 @@
               <a:buNone/>
             </a:pPr>
             <a:r>
-              <a:rPr lang="es-419" sz="1800" b="1">
+              <a:rPr lang="es-419" sz="1800" b="1" dirty="0">
                 <a:solidFill>
                   <a:srgbClr val="000000"/>
                 </a:solidFill>
@@ -10159,7 +10152,7 @@
               </a:rPr>
               <a:t>Características básicas</a:t>
             </a:r>
-            <a:endParaRPr sz="1800" b="1">
+            <a:endParaRPr sz="1800" b="1" dirty="0">
               <a:solidFill>
                 <a:srgbClr val="000000"/>
               </a:solidFill>
@@ -10182,7 +10175,7 @@
               </a:spcAft>
               <a:buNone/>
             </a:pPr>
-            <a:endParaRPr sz="1400">
+            <a:endParaRPr sz="1400" dirty="0">
               <a:solidFill>
                 <a:srgbClr val="000000"/>
               </a:solidFill>
@@ -10206,7 +10199,7 @@
               <a:buNone/>
             </a:pPr>
             <a:r>
-              <a:rPr lang="es-419" sz="1400">
+              <a:rPr lang="es-419" sz="1400" dirty="0">
                 <a:solidFill>
                   <a:srgbClr val="000000"/>
                 </a:solidFill>
@@ -10217,7 +10210,7 @@
               </a:rPr>
               <a:t>Al ser un lenguaje de programación interpretado se pueden probar los programas que hagamos con el navegador sin necesidad de procesos intermedios.</a:t>
             </a:r>
-            <a:endParaRPr sz="1400">
+            <a:endParaRPr sz="1400" dirty="0">
               <a:solidFill>
                 <a:srgbClr val="000000"/>
               </a:solidFill>
@@ -10240,7 +10233,7 @@
               </a:spcAft>
               <a:buNone/>
             </a:pPr>
-            <a:endParaRPr sz="1400">
+            <a:endParaRPr sz="1400" dirty="0">
               <a:solidFill>
                 <a:srgbClr val="000000"/>
               </a:solidFill>
@@ -10264,7 +10257,7 @@
               <a:buNone/>
             </a:pPr>
             <a:r>
-              <a:rPr lang="es-419" sz="1400">
+              <a:rPr lang="es-419" sz="1400" dirty="0">
                 <a:solidFill>
                   <a:srgbClr val="000000"/>
                 </a:solidFill>
@@ -10275,7 +10268,7 @@
               </a:rPr>
               <a:t>Es un lenguaje orientado a objetos.</a:t>
             </a:r>
-            <a:endParaRPr sz="1400">
+            <a:endParaRPr sz="1400" dirty="0">
               <a:solidFill>
                 <a:srgbClr val="000000"/>
               </a:solidFill>
@@ -10298,7 +10291,7 @@
               </a:spcAft>
               <a:buNone/>
             </a:pPr>
-            <a:endParaRPr sz="1400">
+            <a:endParaRPr sz="1400" dirty="0">
               <a:solidFill>
                 <a:srgbClr val="000000"/>
               </a:solidFill>
@@ -10322,7 +10315,7 @@
               <a:buNone/>
             </a:pPr>
             <a:r>
-              <a:rPr lang="es-419" sz="1400">
+              <a:rPr lang="es-419" sz="1400" dirty="0">
                 <a:solidFill>
                   <a:srgbClr val="000000"/>
                 </a:solidFill>
@@ -10331,9 +10324,33 @@
                 <a:cs typeface="Arial"/>
                 <a:sym typeface="Arial"/>
               </a:rPr>
-              <a:t>Diferencia entre mayúsculas y minúsculas (case sensitive)</a:t>
+              <a:t>Diferencia entre mayúsculas y minúsculas (case </a:t>
             </a:r>
-            <a:endParaRPr sz="1400">
+            <a:r>
+              <a:rPr lang="es-419" sz="1400" dirty="0" err="1">
+                <a:solidFill>
+                  <a:srgbClr val="000000"/>
+                </a:solidFill>
+                <a:latin typeface="Arial"/>
+                <a:ea typeface="Arial"/>
+                <a:cs typeface="Arial"/>
+                <a:sym typeface="Arial"/>
+              </a:rPr>
+              <a:t>sensitive</a:t>
+            </a:r>
+            <a:r>
+              <a:rPr lang="es-419" sz="1400" dirty="0">
+                <a:solidFill>
+                  <a:srgbClr val="000000"/>
+                </a:solidFill>
+                <a:latin typeface="Arial"/>
+                <a:ea typeface="Arial"/>
+                <a:cs typeface="Arial"/>
+                <a:sym typeface="Arial"/>
+              </a:rPr>
+              <a:t>)</a:t>
+            </a:r>
+            <a:endParaRPr sz="1400" dirty="0">
               <a:solidFill>
                 <a:srgbClr val="000000"/>
               </a:solidFill>
@@ -10356,7 +10373,7 @@
               </a:spcAft>
               <a:buNone/>
             </a:pPr>
-            <a:endParaRPr sz="1800" b="1">
+            <a:endParaRPr sz="1800" b="1" dirty="0">
               <a:solidFill>
                 <a:srgbClr val="000000"/>
               </a:solidFill>
@@ -10472,7 +10489,7 @@
               </a:spcAft>
               <a:buNone/>
             </a:pPr>
-            <a:endParaRPr sz="1400">
+            <a:endParaRPr sz="1400" dirty="0">
               <a:solidFill>
                 <a:srgbClr val="000000"/>
               </a:solidFill>
@@ -10496,7 +10513,7 @@
               <a:buNone/>
             </a:pPr>
             <a:r>
-              <a:rPr lang="es-419" sz="1800" b="1">
+              <a:rPr lang="es-419" sz="1800" b="1" dirty="0">
                 <a:solidFill>
                   <a:srgbClr val="000000"/>
                 </a:solidFill>
@@ -10507,7 +10524,7 @@
               </a:rPr>
               <a:t>Características básicas</a:t>
             </a:r>
-            <a:endParaRPr sz="1800" b="1">
+            <a:endParaRPr sz="1800" b="1" dirty="0">
               <a:solidFill>
                 <a:srgbClr val="000000"/>
               </a:solidFill>
@@ -10530,7 +10547,7 @@
               </a:spcAft>
               <a:buNone/>
             </a:pPr>
-            <a:endParaRPr sz="1400">
+            <a:endParaRPr sz="1400" dirty="0">
               <a:solidFill>
                 <a:srgbClr val="000000"/>
               </a:solidFill>
@@ -10554,7 +10571,7 @@
               <a:buNone/>
             </a:pPr>
             <a:r>
-              <a:rPr lang="es-419" sz="1400" u="sng">
+              <a:rPr lang="es-419" sz="1400" u="sng" dirty="0">
                 <a:solidFill>
                   <a:srgbClr val="000000"/>
                 </a:solidFill>
@@ -10565,7 +10582,7 @@
               </a:rPr>
               <a:t>JavaScript puede:</a:t>
             </a:r>
-            <a:endParaRPr sz="1400" u="sng">
+            <a:endParaRPr sz="1400" u="sng" dirty="0">
               <a:solidFill>
                 <a:srgbClr val="000000"/>
               </a:solidFill>
@@ -10588,7 +10605,7 @@
               </a:spcAft>
               <a:buNone/>
             </a:pPr>
-            <a:endParaRPr sz="1400">
+            <a:endParaRPr sz="1400" dirty="0">
               <a:solidFill>
                 <a:srgbClr val="000000"/>
               </a:solidFill>
@@ -10617,7 +10634,7 @@
               <a:buChar char="●"/>
             </a:pPr>
             <a:r>
-              <a:rPr lang="es-419" sz="1400">
+              <a:rPr lang="es-419" sz="1400" dirty="0">
                 <a:solidFill>
                   <a:srgbClr val="000000"/>
                 </a:solidFill>
@@ -10628,7 +10645,7 @@
               </a:rPr>
               <a:t>Cambiar todos los elementos HTML de la página</a:t>
             </a:r>
-            <a:endParaRPr sz="1400">
+            <a:endParaRPr sz="1400" dirty="0">
               <a:solidFill>
                 <a:srgbClr val="000000"/>
               </a:solidFill>
@@ -10657,7 +10674,7 @@
               <a:buChar char="●"/>
             </a:pPr>
             <a:r>
-              <a:rPr lang="es-419" sz="1400">
+              <a:rPr lang="es-419" sz="1400" dirty="0">
                 <a:solidFill>
                   <a:srgbClr val="000000"/>
                 </a:solidFill>
@@ -10668,7 +10685,7 @@
               </a:rPr>
               <a:t>Cambiar todos los atributos HTML</a:t>
             </a:r>
-            <a:endParaRPr sz="1400">
+            <a:endParaRPr sz="1400" dirty="0">
               <a:solidFill>
                 <a:srgbClr val="000000"/>
               </a:solidFill>
@@ -10697,7 +10714,7 @@
               <a:buChar char="●"/>
             </a:pPr>
             <a:r>
-              <a:rPr lang="es-419" sz="1400">
+              <a:rPr lang="es-419" sz="1400" dirty="0">
                 <a:solidFill>
                   <a:srgbClr val="000000"/>
                 </a:solidFill>
@@ -10708,7 +10725,7 @@
               </a:rPr>
               <a:t>Cambiar todos los estilos CSS</a:t>
             </a:r>
-            <a:endParaRPr sz="1400">
+            <a:endParaRPr sz="1400" dirty="0">
               <a:solidFill>
                 <a:srgbClr val="000000"/>
               </a:solidFill>
@@ -10737,7 +10754,7 @@
               <a:buChar char="●"/>
             </a:pPr>
             <a:r>
-              <a:rPr lang="es-419" sz="1400">
+              <a:rPr lang="es-419" sz="1400" dirty="0">
                 <a:solidFill>
                   <a:srgbClr val="000000"/>
                 </a:solidFill>
@@ -10748,7 +10765,7 @@
               </a:rPr>
               <a:t>Remover elementos y atributos HTML</a:t>
             </a:r>
-            <a:endParaRPr sz="1400">
+            <a:endParaRPr sz="1400" dirty="0">
               <a:solidFill>
                 <a:srgbClr val="000000"/>
               </a:solidFill>
@@ -10777,7 +10794,7 @@
               <a:buChar char="●"/>
             </a:pPr>
             <a:r>
-              <a:rPr lang="es-419" sz="1400">
+              <a:rPr lang="es-419" sz="1400" dirty="0">
                 <a:solidFill>
                   <a:srgbClr val="000000"/>
                 </a:solidFill>
@@ -10788,7 +10805,7 @@
               </a:rPr>
               <a:t>Agregar nuevos elementos y atributos HTML</a:t>
             </a:r>
-            <a:endParaRPr sz="1400">
+            <a:endParaRPr sz="1400" dirty="0">
               <a:solidFill>
                 <a:srgbClr val="000000"/>
               </a:solidFill>
@@ -10817,7 +10834,7 @@
               <a:buChar char="●"/>
             </a:pPr>
             <a:r>
-              <a:rPr lang="es-419" sz="1400">
+              <a:rPr lang="es-419" sz="1400" dirty="0">
                 <a:solidFill>
                   <a:srgbClr val="000000"/>
                 </a:solidFill>
@@ -10828,7 +10845,7 @@
               </a:rPr>
               <a:t>Reaccionar a todos los eventos disponibles en esa página</a:t>
             </a:r>
-            <a:endParaRPr sz="1400">
+            <a:endParaRPr sz="1400" dirty="0">
               <a:solidFill>
                 <a:srgbClr val="000000"/>
               </a:solidFill>
@@ -10857,7 +10874,7 @@
               <a:buChar char="●"/>
             </a:pPr>
             <a:r>
-              <a:rPr lang="es-419" sz="1400">
+              <a:rPr lang="es-419" sz="1400" dirty="0">
                 <a:solidFill>
                   <a:srgbClr val="000000"/>
                 </a:solidFill>
@@ -10868,7 +10885,7 @@
               </a:rPr>
               <a:t>Crear eventos</a:t>
             </a:r>
-            <a:endParaRPr sz="1400">
+            <a:endParaRPr sz="1400" dirty="0">
               <a:solidFill>
                 <a:srgbClr val="000000"/>
               </a:solidFill>
@@ -10891,7 +10908,7 @@
               </a:spcAft>
               <a:buNone/>
             </a:pPr>
-            <a:endParaRPr sz="1800" b="1">
+            <a:endParaRPr sz="1800" b="1" dirty="0">
               <a:solidFill>
                 <a:srgbClr val="000000"/>
               </a:solidFill>
@@ -10914,7 +10931,7 @@
               </a:spcAft>
               <a:buNone/>
             </a:pPr>
-            <a:endParaRPr sz="1400">
+            <a:endParaRPr sz="1400" dirty="0">
               <a:solidFill>
                 <a:srgbClr val="000000"/>
               </a:solidFill>
@@ -10937,7 +10954,7 @@
               </a:spcAft>
               <a:buNone/>
             </a:pPr>
-            <a:endParaRPr sz="1400">
+            <a:endParaRPr sz="1400" dirty="0">
               <a:solidFill>
                 <a:srgbClr val="000000"/>
               </a:solidFill>
@@ -10960,7 +10977,7 @@
               </a:spcAft>
               <a:buNone/>
             </a:pPr>
-            <a:endParaRPr sz="1800" b="1">
+            <a:endParaRPr sz="1800" b="1" dirty="0">
               <a:solidFill>
                 <a:srgbClr val="000000"/>
               </a:solidFill>
